--- a/powerpoints/ITU Academy Slides AM4-07.pptx
+++ b/powerpoints/ITU Academy Slides AM4-07.pptx
@@ -339,7 +339,7 @@
       </p:grpSpPr>
       <p:sp>
         <p:nvSpPr>
-          <p:cNvPr id="122" name="Shape 122"/>
+          <p:cNvPr id="112" name="Shape 112"/>
           <p:cNvSpPr/>
           <p:nvPr>
             <p:ph type="sldImg"/>
@@ -364,7 +364,7 @@
       </p:sp>
       <p:sp>
         <p:nvSpPr>
-          <p:cNvPr id="123" name="Shape 123"/>
+          <p:cNvPr id="113" name="Shape 113"/>
           <p:cNvSpPr/>
           <p:nvPr>
             <p:ph type="body" sz="quarter" idx="1"/>
@@ -905,155 +905,6 @@
 </p:sldLayout>
 </file>
 
-<file path=ppt/slideLayouts/slideLayout12.xml><?xml version="1.0" encoding="utf-8"?>
-<p:sldLayout xmlns:a="http://schemas.openxmlformats.org/drawingml/2006/main" xmlns:r="http://schemas.openxmlformats.org/officeDocument/2006/relationships" xmlns:p="http://schemas.openxmlformats.org/presentationml/2006/main" type="tx" showMasterSp="0" showMasterPhAnim="1">
-  <p:cSld name="Title and Content">
-    <p:spTree>
-      <p:nvGrpSpPr>
-        <p:cNvPr id="1" name=""/>
-        <p:cNvGrpSpPr/>
-        <p:nvPr/>
-      </p:nvGrpSpPr>
-      <p:grpSpPr>
-        <a:xfrm>
-          <a:off x="0" y="0"/>
-          <a:ext cx="0" cy="0"/>
-          <a:chOff x="0" y="0"/>
-          <a:chExt cx="0" cy="0"/>
-        </a:xfrm>
-      </p:grpSpPr>
-      <p:pic>
-        <p:nvPicPr>
-          <p:cNvPr id="113" name="image1.jpeg" descr="image1.jpeg"/>
-          <p:cNvPicPr>
-            <a:picLocks noChangeAspect="1"/>
-          </p:cNvPicPr>
-          <p:nvPr/>
-        </p:nvPicPr>
-        <p:blipFill>
-          <a:blip r:embed="rId2">
-            <a:extLst/>
-          </a:blip>
-          <a:stretch>
-            <a:fillRect/>
-          </a:stretch>
-        </p:blipFill>
-        <p:spPr>
-          <a:xfrm>
-            <a:off x="0" y="0"/>
-            <a:ext cx="9144000" cy="6858000"/>
-          </a:xfrm>
-          <a:prstGeom prst="rect">
-            <a:avLst/>
-          </a:prstGeom>
-          <a:ln w="12700">
-            <a:miter lim="400000"/>
-          </a:ln>
-        </p:spPr>
-      </p:pic>
-      <p:sp>
-        <p:nvSpPr>
-          <p:cNvPr id="114" name="Title Text"/>
-          <p:cNvSpPr txBox="1"/>
-          <p:nvPr>
-            <p:ph type="title"/>
-          </p:nvPr>
-        </p:nvSpPr>
-        <p:spPr>
-          <a:prstGeom prst="rect">
-            <a:avLst/>
-          </a:prstGeom>
-        </p:spPr>
-        <p:txBody>
-          <a:bodyPr/>
-          <a:lstStyle/>
-          <a:p>
-            <a:pPr/>
-            <a:r>
-              <a:t>Title Text</a:t>
-            </a:r>
-          </a:p>
-        </p:txBody>
-      </p:sp>
-      <p:sp>
-        <p:nvSpPr>
-          <p:cNvPr id="115" name="Body Level One…"/>
-          <p:cNvSpPr txBox="1"/>
-          <p:nvPr>
-            <p:ph type="body" idx="1"/>
-          </p:nvPr>
-        </p:nvSpPr>
-        <p:spPr>
-          <a:prstGeom prst="rect">
-            <a:avLst/>
-          </a:prstGeom>
-        </p:spPr>
-        <p:txBody>
-          <a:bodyPr/>
-          <a:lstStyle/>
-          <a:p>
-            <a:pPr/>
-            <a:r>
-              <a:t>Body Level One</a:t>
-            </a:r>
-          </a:p>
-          <a:p>
-            <a:pPr lvl="1"/>
-            <a:r>
-              <a:t>Body Level Two</a:t>
-            </a:r>
-          </a:p>
-          <a:p>
-            <a:pPr lvl="2"/>
-            <a:r>
-              <a:t>Body Level Three</a:t>
-            </a:r>
-          </a:p>
-          <a:p>
-            <a:pPr lvl="3"/>
-            <a:r>
-              <a:t>Body Level Four</a:t>
-            </a:r>
-          </a:p>
-          <a:p>
-            <a:pPr lvl="4"/>
-            <a:r>
-              <a:t>Body Level Five</a:t>
-            </a:r>
-          </a:p>
-        </p:txBody>
-      </p:sp>
-      <p:sp>
-        <p:nvSpPr>
-          <p:cNvPr id="116" name="Slide Number"/>
-          <p:cNvSpPr txBox="1"/>
-          <p:nvPr>
-            <p:ph type="sldNum" sz="quarter" idx="2"/>
-          </p:nvPr>
-        </p:nvSpPr>
-        <p:spPr>
-          <a:prstGeom prst="rect">
-            <a:avLst/>
-          </a:prstGeom>
-        </p:spPr>
-        <p:txBody>
-          <a:bodyPr/>
-          <a:lstStyle/>
-          <a:p>
-            <a:pPr/>
-            <a:fld id="{86CB4B4D-7CA3-9044-876B-883B54F8677D}" type="slidenum"/>
-          </a:p>
-        </p:txBody>
-      </p:sp>
-    </p:spTree>
-  </p:cSld>
-  <p:clrMapOvr>
-    <a:masterClrMapping/>
-  </p:clrMapOvr>
-  <p:transition xmlns:p14="http://schemas.microsoft.com/office/powerpoint/2010/main" spd="med" advClick="1"/>
-</p:sldLayout>
-</file>
-
 <file path=ppt/slideLayouts/slideLayout2.xml><?xml version="1.0" encoding="utf-8"?>
 <p:sldLayout xmlns:a="http://schemas.openxmlformats.org/drawingml/2006/main" xmlns:r="http://schemas.openxmlformats.org/officeDocument/2006/relationships" xmlns:p="http://schemas.openxmlformats.org/presentationml/2006/main" type="tx" showMasterSp="1" showMasterPhAnim="1">
   <p:cSld name="Title and Content">
@@ -2485,7 +2336,6 @@
     <p:sldLayoutId id="2147483657" r:id="rId11"/>
     <p:sldLayoutId id="2147483658" r:id="rId12"/>
     <p:sldLayoutId id="2147483659" r:id="rId13"/>
-    <p:sldLayoutId id="2147483660" r:id="rId14"/>
   </p:sldLayoutIdLst>
   <p:transition xmlns:p14="http://schemas.microsoft.com/office/powerpoint/2010/main" spd="med" advClick="1"/>
   <p:txStyles>
@@ -3312,7 +3162,7 @@
       </p:grpSpPr>
       <p:sp>
         <p:nvSpPr>
-          <p:cNvPr id="125" name="Title 1"/>
+          <p:cNvPr id="115" name="Title 1"/>
           <p:cNvSpPr txBox="1"/>
           <p:nvPr>
             <p:ph type="ctrTitle"/>
@@ -3386,7 +3236,7 @@
       </p:grpSpPr>
       <p:sp>
         <p:nvSpPr>
-          <p:cNvPr id="127" name="Title 1"/>
+          <p:cNvPr id="117" name="Title 1"/>
           <p:cNvSpPr txBox="1"/>
           <p:nvPr>
             <p:ph type="ctrTitle"/>
@@ -3416,7 +3266,7 @@
           <a:p>
             <a:pPr/>
             <a:r>
-              <a:t>AI on BD</a:t>
+              <a:t>Group work starts</a:t>
             </a:r>
           </a:p>
         </p:txBody>
@@ -3449,7 +3299,7 @@
       </p:grpSpPr>
       <p:sp>
         <p:nvSpPr>
-          <p:cNvPr id="129" name="Lecture 7: AI on BD"/>
+          <p:cNvPr id="119" name="Group Work Initiation"/>
           <p:cNvSpPr txBox="1"/>
           <p:nvPr>
             <p:ph type="title"/>
@@ -3466,14 +3316,14 @@
           <a:p>
             <a:pPr/>
             <a:r>
-              <a:t>Lecture 7: AI on BD</a:t>
+              <a:t>Group Work Initiation</a:t>
             </a:r>
           </a:p>
         </p:txBody>
       </p:sp>
       <p:sp>
         <p:nvSpPr>
-          <p:cNvPr id="130" name="Connecting to Spark datasets…"/>
+          <p:cNvPr id="120" name="Find 3-5 other persons with similar interest…"/>
           <p:cNvSpPr txBox="1"/>
           <p:nvPr>
             <p:ph type="body" idx="1"/>
@@ -3490,31 +3340,43 @@
           <a:p>
             <a:pPr/>
             <a:r>
-              <a:t>Connecting to Spark datasets</a:t>
+              <a:t>Find 3-5 other persons with similar interest</a:t>
             </a:r>
           </a:p>
           <a:p>
             <a:pPr/>
             <a:r>
-              <a:t>Running AI methods on Big Data</a:t>
+              <a:t>Decide on a common topic</a:t>
             </a:r>
           </a:p>
           <a:p>
             <a:pPr/>
             <a:r>
-              <a:t>TensorFlow on Big Data</a:t>
+              <a:t>Decide on method and tools of cooperation</a:t>
             </a:r>
           </a:p>
           <a:p>
             <a:pPr/>
             <a:r>
-              <a:t>AI as a service</a:t>
+              <a:t>Set mid-term and final goals</a:t>
             </a:r>
           </a:p>
           <a:p>
             <a:pPr/>
             <a:r>
-              <a:t>Commonly used Big Data Analytics services</a:t>
+              <a:t>Start working out the schedule</a:t>
+            </a:r>
+          </a:p>
+          <a:p>
+            <a:pPr/>
+            <a:r>
+              <a:t>Divide tasks</a:t>
+            </a:r>
+          </a:p>
+          <a:p>
+            <a:pPr/>
+            <a:r>
+              <a:t>Start preparing for mid-term presentation</a:t>
             </a:r>
           </a:p>
         </p:txBody>
@@ -3531,17 +3393,6 @@
 <file path=ppt/slides/slide4.xml><?xml version="1.0" encoding="utf-8"?>
 <p:sld xmlns:a="http://schemas.openxmlformats.org/drawingml/2006/main" xmlns:r="http://schemas.openxmlformats.org/officeDocument/2006/relationships" xmlns:p="http://schemas.openxmlformats.org/presentationml/2006/main" showMasterSp="1" showMasterPhAnim="1">
   <p:cSld>
-    <p:bg>
-      <p:bgPr>
-        <a:blipFill rotWithShape="1">
-          <a:blip r:embed="rId2"/>
-          <a:srcRect l="0" t="0" r="0" b="0"/>
-          <a:stretch>
-            <a:fillRect/>
-          </a:stretch>
-        </a:blipFill>
-      </p:bgPr>
-    </p:bg>
     <p:spTree>
       <p:nvGrpSpPr>
         <p:cNvPr id="1" name=""/>
@@ -3556,6 +3407,85 @@
           <a:chExt cx="0" cy="0"/>
         </a:xfrm>
       </p:grpSpPr>
+      <p:sp>
+        <p:nvSpPr>
+          <p:cNvPr id="122" name="Group Work Presentation"/>
+          <p:cNvSpPr txBox="1"/>
+          <p:nvPr>
+            <p:ph type="title"/>
+          </p:nvPr>
+        </p:nvSpPr>
+        <p:spPr>
+          <a:prstGeom prst="rect">
+            <a:avLst/>
+          </a:prstGeom>
+        </p:spPr>
+        <p:txBody>
+          <a:bodyPr/>
+          <a:lstStyle/>
+          <a:p>
+            <a:pPr/>
+            <a:r>
+              <a:t>Group Work Presentation</a:t>
+            </a:r>
+          </a:p>
+        </p:txBody>
+      </p:sp>
+      <p:sp>
+        <p:nvSpPr>
+          <p:cNvPr id="123" name="Goal: background, state-of-art, justification…"/>
+          <p:cNvSpPr txBox="1"/>
+          <p:nvPr>
+            <p:ph type="body" idx="1"/>
+          </p:nvPr>
+        </p:nvSpPr>
+        <p:spPr>
+          <a:prstGeom prst="rect">
+            <a:avLst/>
+          </a:prstGeom>
+        </p:spPr>
+        <p:txBody>
+          <a:bodyPr/>
+          <a:lstStyle/>
+          <a:p>
+            <a:pPr/>
+            <a:r>
+              <a:t>Goal: background, state-of-art, justification</a:t>
+            </a:r>
+          </a:p>
+          <a:p>
+            <a:pPr/>
+            <a:r>
+              <a:t>Plan: method, schedule, tasks, cooperation</a:t>
+            </a:r>
+          </a:p>
+          <a:p>
+            <a:pPr/>
+            <a:r>
+              <a:t>Progress: tasks completed and pending</a:t>
+            </a:r>
+          </a:p>
+          <a:p>
+            <a:pPr/>
+            <a:r>
+              <a:t>Results: current status, remaining work</a:t>
+            </a:r>
+          </a:p>
+          <a:p>
+            <a:pPr/>
+            <a:r>
+              <a:t>Evaluation: difficulties, discoveries, failures</a:t>
+            </a:r>
+            <a:br/>
+          </a:p>
+          <a:p>
+            <a:pPr/>
+            <a:r>
+              <a:t>Who did what? (individual contributions)</a:t>
+            </a:r>
+          </a:p>
+        </p:txBody>
+      </p:sp>
     </p:spTree>
   </p:cSld>
   <p:clrMapOvr>

--- a/powerpoints/ITU Academy Slides AM4-07.pptx
+++ b/powerpoints/ITU Academy Slides AM4-07.pptx
@@ -69,7 +69,7 @@
         <a:latin typeface="+mn-lt"/>
         <a:ea typeface="+mn-ea"/>
         <a:cs typeface="+mn-cs"/>
-        <a:sym typeface="Calibri"/>
+        <a:sym typeface="Arial"/>
       </a:defRPr>
     </a:lvl1pPr>
     <a:lvl2pPr marL="0" marR="0" indent="457200" algn="l" defTabSz="914400" rtl="0" fontAlgn="auto" latinLnBrk="0" hangingPunct="0">
@@ -99,7 +99,7 @@
         <a:latin typeface="+mn-lt"/>
         <a:ea typeface="+mn-ea"/>
         <a:cs typeface="+mn-cs"/>
-        <a:sym typeface="Calibri"/>
+        <a:sym typeface="Arial"/>
       </a:defRPr>
     </a:lvl2pPr>
     <a:lvl3pPr marL="0" marR="0" indent="914400" algn="l" defTabSz="914400" rtl="0" fontAlgn="auto" latinLnBrk="0" hangingPunct="0">
@@ -129,7 +129,7 @@
         <a:latin typeface="+mn-lt"/>
         <a:ea typeface="+mn-ea"/>
         <a:cs typeface="+mn-cs"/>
-        <a:sym typeface="Calibri"/>
+        <a:sym typeface="Arial"/>
       </a:defRPr>
     </a:lvl3pPr>
     <a:lvl4pPr marL="0" marR="0" indent="1371600" algn="l" defTabSz="914400" rtl="0" fontAlgn="auto" latinLnBrk="0" hangingPunct="0">
@@ -159,7 +159,7 @@
         <a:latin typeface="+mn-lt"/>
         <a:ea typeface="+mn-ea"/>
         <a:cs typeface="+mn-cs"/>
-        <a:sym typeface="Calibri"/>
+        <a:sym typeface="Arial"/>
       </a:defRPr>
     </a:lvl4pPr>
     <a:lvl5pPr marL="0" marR="0" indent="1828800" algn="l" defTabSz="914400" rtl="0" fontAlgn="auto" latinLnBrk="0" hangingPunct="0">
@@ -189,7 +189,7 @@
         <a:latin typeface="+mn-lt"/>
         <a:ea typeface="+mn-ea"/>
         <a:cs typeface="+mn-cs"/>
-        <a:sym typeface="Calibri"/>
+        <a:sym typeface="Arial"/>
       </a:defRPr>
     </a:lvl5pPr>
     <a:lvl6pPr marL="0" marR="0" indent="2286000" algn="l" defTabSz="914400" rtl="0" fontAlgn="auto" latinLnBrk="0" hangingPunct="0">
@@ -219,7 +219,7 @@
         <a:latin typeface="+mn-lt"/>
         <a:ea typeface="+mn-ea"/>
         <a:cs typeface="+mn-cs"/>
-        <a:sym typeface="Calibri"/>
+        <a:sym typeface="Arial"/>
       </a:defRPr>
     </a:lvl6pPr>
     <a:lvl7pPr marL="0" marR="0" indent="2743200" algn="l" defTabSz="914400" rtl="0" fontAlgn="auto" latinLnBrk="0" hangingPunct="0">
@@ -249,7 +249,7 @@
         <a:latin typeface="+mn-lt"/>
         <a:ea typeface="+mn-ea"/>
         <a:cs typeface="+mn-cs"/>
-        <a:sym typeface="Calibri"/>
+        <a:sym typeface="Arial"/>
       </a:defRPr>
     </a:lvl7pPr>
     <a:lvl8pPr marL="0" marR="0" indent="3200400" algn="l" defTabSz="914400" rtl="0" fontAlgn="auto" latinLnBrk="0" hangingPunct="0">
@@ -279,7 +279,7 @@
         <a:latin typeface="+mn-lt"/>
         <a:ea typeface="+mn-ea"/>
         <a:cs typeface="+mn-cs"/>
-        <a:sym typeface="Calibri"/>
+        <a:sym typeface="Arial"/>
       </a:defRPr>
     </a:lvl8pPr>
     <a:lvl9pPr marL="0" marR="0" indent="3657600" algn="l" defTabSz="914400" rtl="0" fontAlgn="auto" latinLnBrk="0" hangingPunct="0">
@@ -309,7 +309,7 @@
         <a:latin typeface="+mn-lt"/>
         <a:ea typeface="+mn-ea"/>
         <a:cs typeface="+mn-cs"/>
-        <a:sym typeface="Calibri"/>
+        <a:sym typeface="Arial"/>
       </a:defRPr>
     </a:lvl9pPr>
   </p:defaultTextStyle>
@@ -396,7 +396,7 @@
         <a:latin typeface="+mn-lt"/>
         <a:ea typeface="+mn-ea"/>
         <a:cs typeface="+mn-cs"/>
-        <a:sym typeface="Calibri"/>
+        <a:sym typeface="Arial"/>
       </a:defRPr>
     </a:lvl1pPr>
     <a:lvl2pPr indent="228600" latinLnBrk="0">
@@ -404,7 +404,7 @@
         <a:latin typeface="+mn-lt"/>
         <a:ea typeface="+mn-ea"/>
         <a:cs typeface="+mn-cs"/>
-        <a:sym typeface="Calibri"/>
+        <a:sym typeface="Arial"/>
       </a:defRPr>
     </a:lvl2pPr>
     <a:lvl3pPr indent="457200" latinLnBrk="0">
@@ -412,7 +412,7 @@
         <a:latin typeface="+mn-lt"/>
         <a:ea typeface="+mn-ea"/>
         <a:cs typeface="+mn-cs"/>
-        <a:sym typeface="Calibri"/>
+        <a:sym typeface="Arial"/>
       </a:defRPr>
     </a:lvl3pPr>
     <a:lvl4pPr indent="685800" latinLnBrk="0">
@@ -420,7 +420,7 @@
         <a:latin typeface="+mn-lt"/>
         <a:ea typeface="+mn-ea"/>
         <a:cs typeface="+mn-cs"/>
-        <a:sym typeface="Calibri"/>
+        <a:sym typeface="Arial"/>
       </a:defRPr>
     </a:lvl4pPr>
     <a:lvl5pPr indent="914400" latinLnBrk="0">
@@ -428,7 +428,7 @@
         <a:latin typeface="+mn-lt"/>
         <a:ea typeface="+mn-ea"/>
         <a:cs typeface="+mn-cs"/>
-        <a:sym typeface="Calibri"/>
+        <a:sym typeface="Arial"/>
       </a:defRPr>
     </a:lvl5pPr>
     <a:lvl6pPr indent="1143000" latinLnBrk="0">
@@ -436,7 +436,7 @@
         <a:latin typeface="+mn-lt"/>
         <a:ea typeface="+mn-ea"/>
         <a:cs typeface="+mn-cs"/>
-        <a:sym typeface="Calibri"/>
+        <a:sym typeface="Arial"/>
       </a:defRPr>
     </a:lvl6pPr>
     <a:lvl7pPr indent="1371600" latinLnBrk="0">
@@ -444,7 +444,7 @@
         <a:latin typeface="+mn-lt"/>
         <a:ea typeface="+mn-ea"/>
         <a:cs typeface="+mn-cs"/>
-        <a:sym typeface="Calibri"/>
+        <a:sym typeface="Arial"/>
       </a:defRPr>
     </a:lvl7pPr>
     <a:lvl8pPr indent="1600200" latinLnBrk="0">
@@ -452,7 +452,7 @@
         <a:latin typeface="+mn-lt"/>
         <a:ea typeface="+mn-ea"/>
         <a:cs typeface="+mn-cs"/>
-        <a:sym typeface="Calibri"/>
+        <a:sym typeface="Arial"/>
       </a:defRPr>
     </a:lvl8pPr>
     <a:lvl9pPr indent="1828800" latinLnBrk="0">
@@ -460,7 +460,7 @@
         <a:latin typeface="+mn-lt"/>
         <a:ea typeface="+mn-ea"/>
         <a:cs typeface="+mn-cs"/>
-        <a:sym typeface="Calibri"/>
+        <a:sym typeface="Arial"/>
       </a:defRPr>
     </a:lvl9pPr>
   </p:notesStyle>
@@ -2292,8 +2292,8 @@
         </p:nvSpPr>
         <p:spPr>
           <a:xfrm>
-            <a:off x="8428176" y="6404292"/>
-            <a:ext cx="258624" cy="269241"/>
+            <a:off x="8413144" y="6406785"/>
+            <a:ext cx="273657" cy="264255"/>
           </a:xfrm>
           <a:prstGeom prst="rect">
             <a:avLst/>
@@ -2366,7 +2366,7 @@
           <a:latin typeface="+mn-lt"/>
           <a:ea typeface="+mn-ea"/>
           <a:cs typeface="+mn-cs"/>
-          <a:sym typeface="Calibri"/>
+          <a:sym typeface="Arial"/>
         </a:defRPr>
       </a:lvl1pPr>
       <a:lvl2pPr marL="0" marR="0" indent="0" algn="ctr" defTabSz="914400" rtl="0" latinLnBrk="0">
@@ -2395,7 +2395,7 @@
           <a:latin typeface="+mn-lt"/>
           <a:ea typeface="+mn-ea"/>
           <a:cs typeface="+mn-cs"/>
-          <a:sym typeface="Calibri"/>
+          <a:sym typeface="Arial"/>
         </a:defRPr>
       </a:lvl2pPr>
       <a:lvl3pPr marL="0" marR="0" indent="0" algn="ctr" defTabSz="914400" rtl="0" latinLnBrk="0">
@@ -2424,7 +2424,7 @@
           <a:latin typeface="+mn-lt"/>
           <a:ea typeface="+mn-ea"/>
           <a:cs typeface="+mn-cs"/>
-          <a:sym typeface="Calibri"/>
+          <a:sym typeface="Arial"/>
         </a:defRPr>
       </a:lvl3pPr>
       <a:lvl4pPr marL="0" marR="0" indent="0" algn="ctr" defTabSz="914400" rtl="0" latinLnBrk="0">
@@ -2453,7 +2453,7 @@
           <a:latin typeface="+mn-lt"/>
           <a:ea typeface="+mn-ea"/>
           <a:cs typeface="+mn-cs"/>
-          <a:sym typeface="Calibri"/>
+          <a:sym typeface="Arial"/>
         </a:defRPr>
       </a:lvl4pPr>
       <a:lvl5pPr marL="0" marR="0" indent="0" algn="ctr" defTabSz="914400" rtl="0" latinLnBrk="0">
@@ -2482,7 +2482,7 @@
           <a:latin typeface="+mn-lt"/>
           <a:ea typeface="+mn-ea"/>
           <a:cs typeface="+mn-cs"/>
-          <a:sym typeface="Calibri"/>
+          <a:sym typeface="Arial"/>
         </a:defRPr>
       </a:lvl5pPr>
       <a:lvl6pPr marL="0" marR="0" indent="0" algn="ctr" defTabSz="914400" rtl="0" latinLnBrk="0">
@@ -2511,7 +2511,7 @@
           <a:latin typeface="+mn-lt"/>
           <a:ea typeface="+mn-ea"/>
           <a:cs typeface="+mn-cs"/>
-          <a:sym typeface="Calibri"/>
+          <a:sym typeface="Arial"/>
         </a:defRPr>
       </a:lvl6pPr>
       <a:lvl7pPr marL="0" marR="0" indent="0" algn="ctr" defTabSz="914400" rtl="0" latinLnBrk="0">
@@ -2540,7 +2540,7 @@
           <a:latin typeface="+mn-lt"/>
           <a:ea typeface="+mn-ea"/>
           <a:cs typeface="+mn-cs"/>
-          <a:sym typeface="Calibri"/>
+          <a:sym typeface="Arial"/>
         </a:defRPr>
       </a:lvl7pPr>
       <a:lvl8pPr marL="0" marR="0" indent="0" algn="ctr" defTabSz="914400" rtl="0" latinLnBrk="0">
@@ -2569,7 +2569,7 @@
           <a:latin typeface="+mn-lt"/>
           <a:ea typeface="+mn-ea"/>
           <a:cs typeface="+mn-cs"/>
-          <a:sym typeface="Calibri"/>
+          <a:sym typeface="Arial"/>
         </a:defRPr>
       </a:lvl8pPr>
       <a:lvl9pPr marL="0" marR="0" indent="0" algn="ctr" defTabSz="914400" rtl="0" latinLnBrk="0">
@@ -2598,7 +2598,7 @@
           <a:latin typeface="+mn-lt"/>
           <a:ea typeface="+mn-ea"/>
           <a:cs typeface="+mn-cs"/>
-          <a:sym typeface="Calibri"/>
+          <a:sym typeface="Arial"/>
         </a:defRPr>
       </a:lvl9pPr>
     </p:titleStyle>
@@ -2629,7 +2629,7 @@
           <a:latin typeface="+mn-lt"/>
           <a:ea typeface="+mn-ea"/>
           <a:cs typeface="+mn-cs"/>
-          <a:sym typeface="Calibri"/>
+          <a:sym typeface="Arial"/>
         </a:defRPr>
       </a:lvl1pPr>
       <a:lvl2pPr marL="783771" marR="0" indent="-326571" algn="l" defTabSz="914400" rtl="0" latinLnBrk="0">
@@ -2658,7 +2658,7 @@
           <a:latin typeface="+mn-lt"/>
           <a:ea typeface="+mn-ea"/>
           <a:cs typeface="+mn-cs"/>
-          <a:sym typeface="Calibri"/>
+          <a:sym typeface="Arial"/>
         </a:defRPr>
       </a:lvl2pPr>
       <a:lvl3pPr marL="1219200" marR="0" indent="-304800" algn="l" defTabSz="914400" rtl="0" latinLnBrk="0">
@@ -2687,7 +2687,7 @@
           <a:latin typeface="+mn-lt"/>
           <a:ea typeface="+mn-ea"/>
           <a:cs typeface="+mn-cs"/>
-          <a:sym typeface="Calibri"/>
+          <a:sym typeface="Arial"/>
         </a:defRPr>
       </a:lvl3pPr>
       <a:lvl4pPr marL="1737360" marR="0" indent="-365760" algn="l" defTabSz="914400" rtl="0" latinLnBrk="0">
@@ -2716,7 +2716,7 @@
           <a:latin typeface="+mn-lt"/>
           <a:ea typeface="+mn-ea"/>
           <a:cs typeface="+mn-cs"/>
-          <a:sym typeface="Calibri"/>
+          <a:sym typeface="Arial"/>
         </a:defRPr>
       </a:lvl4pPr>
       <a:lvl5pPr marL="2194560" marR="0" indent="-365760" algn="l" defTabSz="914400" rtl="0" latinLnBrk="0">
@@ -2745,7 +2745,7 @@
           <a:latin typeface="+mn-lt"/>
           <a:ea typeface="+mn-ea"/>
           <a:cs typeface="+mn-cs"/>
-          <a:sym typeface="Calibri"/>
+          <a:sym typeface="Arial"/>
         </a:defRPr>
       </a:lvl5pPr>
       <a:lvl6pPr marL="2651760" marR="0" indent="-365760" algn="l" defTabSz="914400" rtl="0" latinLnBrk="0">
@@ -2774,7 +2774,7 @@
           <a:latin typeface="+mn-lt"/>
           <a:ea typeface="+mn-ea"/>
           <a:cs typeface="+mn-cs"/>
-          <a:sym typeface="Calibri"/>
+          <a:sym typeface="Arial"/>
         </a:defRPr>
       </a:lvl6pPr>
       <a:lvl7pPr marL="3108960" marR="0" indent="-365760" algn="l" defTabSz="914400" rtl="0" latinLnBrk="0">
@@ -2803,7 +2803,7 @@
           <a:latin typeface="+mn-lt"/>
           <a:ea typeface="+mn-ea"/>
           <a:cs typeface="+mn-cs"/>
-          <a:sym typeface="Calibri"/>
+          <a:sym typeface="Arial"/>
         </a:defRPr>
       </a:lvl7pPr>
       <a:lvl8pPr marL="3566159" marR="0" indent="-365759" algn="l" defTabSz="914400" rtl="0" latinLnBrk="0">
@@ -2832,7 +2832,7 @@
           <a:latin typeface="+mn-lt"/>
           <a:ea typeface="+mn-ea"/>
           <a:cs typeface="+mn-cs"/>
-          <a:sym typeface="Calibri"/>
+          <a:sym typeface="Arial"/>
         </a:defRPr>
       </a:lvl8pPr>
       <a:lvl9pPr marL="4023359" marR="0" indent="-365759" algn="l" defTabSz="914400" rtl="0" latinLnBrk="0">
@@ -2861,7 +2861,7 @@
           <a:latin typeface="+mn-lt"/>
           <a:ea typeface="+mn-ea"/>
           <a:cs typeface="+mn-cs"/>
-          <a:sym typeface="Calibri"/>
+          <a:sym typeface="Arial"/>
         </a:defRPr>
       </a:lvl9pPr>
     </p:bodyStyle>
@@ -2892,7 +2892,7 @@
           <a:latin typeface="+mn-lt"/>
           <a:ea typeface="+mn-ea"/>
           <a:cs typeface="+mn-cs"/>
-          <a:sym typeface="Calibri"/>
+          <a:sym typeface="Arial"/>
         </a:defRPr>
       </a:lvl1pPr>
       <a:lvl2pPr marL="0" marR="0" indent="457200" algn="r" defTabSz="914400" rtl="0" latinLnBrk="0">
@@ -2921,7 +2921,7 @@
           <a:latin typeface="+mn-lt"/>
           <a:ea typeface="+mn-ea"/>
           <a:cs typeface="+mn-cs"/>
-          <a:sym typeface="Calibri"/>
+          <a:sym typeface="Arial"/>
         </a:defRPr>
       </a:lvl2pPr>
       <a:lvl3pPr marL="0" marR="0" indent="914400" algn="r" defTabSz="914400" rtl="0" latinLnBrk="0">
@@ -2950,7 +2950,7 @@
           <a:latin typeface="+mn-lt"/>
           <a:ea typeface="+mn-ea"/>
           <a:cs typeface="+mn-cs"/>
-          <a:sym typeface="Calibri"/>
+          <a:sym typeface="Arial"/>
         </a:defRPr>
       </a:lvl3pPr>
       <a:lvl4pPr marL="0" marR="0" indent="1371600" algn="r" defTabSz="914400" rtl="0" latinLnBrk="0">
@@ -2979,7 +2979,7 @@
           <a:latin typeface="+mn-lt"/>
           <a:ea typeface="+mn-ea"/>
           <a:cs typeface="+mn-cs"/>
-          <a:sym typeface="Calibri"/>
+          <a:sym typeface="Arial"/>
         </a:defRPr>
       </a:lvl4pPr>
       <a:lvl5pPr marL="0" marR="0" indent="1828800" algn="r" defTabSz="914400" rtl="0" latinLnBrk="0">
@@ -3008,7 +3008,7 @@
           <a:latin typeface="+mn-lt"/>
           <a:ea typeface="+mn-ea"/>
           <a:cs typeface="+mn-cs"/>
-          <a:sym typeface="Calibri"/>
+          <a:sym typeface="Arial"/>
         </a:defRPr>
       </a:lvl5pPr>
       <a:lvl6pPr marL="0" marR="0" indent="2286000" algn="r" defTabSz="914400" rtl="0" latinLnBrk="0">
@@ -3037,7 +3037,7 @@
           <a:latin typeface="+mn-lt"/>
           <a:ea typeface="+mn-ea"/>
           <a:cs typeface="+mn-cs"/>
-          <a:sym typeface="Calibri"/>
+          <a:sym typeface="Arial"/>
         </a:defRPr>
       </a:lvl6pPr>
       <a:lvl7pPr marL="0" marR="0" indent="2743200" algn="r" defTabSz="914400" rtl="0" latinLnBrk="0">
@@ -3066,7 +3066,7 @@
           <a:latin typeface="+mn-lt"/>
           <a:ea typeface="+mn-ea"/>
           <a:cs typeface="+mn-cs"/>
-          <a:sym typeface="Calibri"/>
+          <a:sym typeface="Arial"/>
         </a:defRPr>
       </a:lvl7pPr>
       <a:lvl8pPr marL="0" marR="0" indent="3200400" algn="r" defTabSz="914400" rtl="0" latinLnBrk="0">
@@ -3095,7 +3095,7 @@
           <a:latin typeface="+mn-lt"/>
           <a:ea typeface="+mn-ea"/>
           <a:cs typeface="+mn-cs"/>
-          <a:sym typeface="Calibri"/>
+          <a:sym typeface="Arial"/>
         </a:defRPr>
       </a:lvl8pPr>
       <a:lvl9pPr marL="0" marR="0" indent="3657600" algn="r" defTabSz="914400" rtl="0" latinLnBrk="0">
@@ -3124,7 +3124,7 @@
           <a:latin typeface="+mn-lt"/>
           <a:ea typeface="+mn-ea"/>
           <a:cs typeface="+mn-cs"/>
-          <a:sym typeface="Calibri"/>
+          <a:sym typeface="Arial"/>
         </a:defRPr>
       </a:lvl9pPr>
     </p:otherStyle>
@@ -3181,12 +3181,7 @@
           <a:bodyPr/>
           <a:lstStyle>
             <a:lvl1pPr defTabSz="493776">
-              <a:defRPr sz="3240">
-                <a:latin typeface="BankGothic Lt BT"/>
-                <a:ea typeface="BankGothic Lt BT"/>
-                <a:cs typeface="BankGothic Lt BT"/>
-                <a:sym typeface="BankGothic Lt BT"/>
-              </a:defRPr>
+              <a:defRPr sz="3240"/>
             </a:lvl1pPr>
           </a:lstStyle>
           <a:p>
@@ -3255,12 +3250,7 @@
           <a:bodyPr/>
           <a:lstStyle>
             <a:lvl1pPr>
-              <a:defRPr sz="6000">
-                <a:latin typeface="BankGothic Lt BT"/>
-                <a:ea typeface="BankGothic Lt BT"/>
-                <a:cs typeface="BankGothic Lt BT"/>
-                <a:sym typeface="BankGothic Lt BT"/>
-              </a:defRPr>
+              <a:defRPr sz="6000"/>
             </a:lvl1pPr>
           </a:lstStyle>
           <a:p>
@@ -3538,14 +3528,14 @@
     </a:clrScheme>
     <a:fontScheme name="Office Theme">
       <a:majorFont>
-        <a:latin typeface="Helvetica"/>
-        <a:ea typeface="Helvetica"/>
-        <a:cs typeface="Helvetica"/>
+        <a:latin typeface="Arial"/>
+        <a:ea typeface="Arial"/>
+        <a:cs typeface="Arial"/>
       </a:majorFont>
       <a:minorFont>
-        <a:latin typeface="Calibri"/>
-        <a:ea typeface="Calibri"/>
-        <a:cs typeface="Calibri"/>
+        <a:latin typeface="Arial"/>
+        <a:ea typeface="Arial"/>
+        <a:cs typeface="Arial"/>
       </a:minorFont>
     </a:fontScheme>
     <a:fmtScheme name="Office Theme">
@@ -3753,7 +3743,7 @@
             <a:latin typeface="+mn-lt"/>
             <a:ea typeface="+mn-ea"/>
             <a:cs typeface="+mn-cs"/>
-            <a:sym typeface="Calibri"/>
+            <a:sym typeface="Arial"/>
           </a:defRPr>
         </a:defPPr>
         <a:lvl1pPr marL="0" marR="0" indent="0" algn="l" defTabSz="914400" rtl="0" fontAlgn="auto" latinLnBrk="1" hangingPunct="0">
@@ -4330,7 +4320,7 @@
             <a:latin typeface="+mn-lt"/>
             <a:ea typeface="+mn-ea"/>
             <a:cs typeface="+mn-cs"/>
-            <a:sym typeface="Calibri"/>
+            <a:sym typeface="Arial"/>
           </a:defRPr>
         </a:defPPr>
         <a:lvl1pPr marL="0" marR="0" indent="0" algn="l" defTabSz="914400" rtl="0" fontAlgn="auto" latinLnBrk="1" hangingPunct="0">
@@ -4622,14 +4612,14 @@
     </a:clrScheme>
     <a:fontScheme name="Office Theme">
       <a:majorFont>
-        <a:latin typeface="Helvetica"/>
-        <a:ea typeface="Helvetica"/>
-        <a:cs typeface="Helvetica"/>
+        <a:latin typeface="Arial"/>
+        <a:ea typeface="Arial"/>
+        <a:cs typeface="Arial"/>
       </a:majorFont>
       <a:minorFont>
-        <a:latin typeface="Calibri"/>
-        <a:ea typeface="Calibri"/>
-        <a:cs typeface="Calibri"/>
+        <a:latin typeface="Arial"/>
+        <a:ea typeface="Arial"/>
+        <a:cs typeface="Arial"/>
       </a:minorFont>
     </a:fontScheme>
     <a:fmtScheme name="Office Theme">
@@ -4837,7 +4827,7 @@
             <a:latin typeface="+mn-lt"/>
             <a:ea typeface="+mn-ea"/>
             <a:cs typeface="+mn-cs"/>
-            <a:sym typeface="Calibri"/>
+            <a:sym typeface="Arial"/>
           </a:defRPr>
         </a:defPPr>
         <a:lvl1pPr marL="0" marR="0" indent="0" algn="l" defTabSz="914400" rtl="0" fontAlgn="auto" latinLnBrk="1" hangingPunct="0">
@@ -5414,7 +5404,7 @@
             <a:latin typeface="+mn-lt"/>
             <a:ea typeface="+mn-ea"/>
             <a:cs typeface="+mn-cs"/>
-            <a:sym typeface="Calibri"/>
+            <a:sym typeface="Arial"/>
           </a:defRPr>
         </a:defPPr>
         <a:lvl1pPr marL="0" marR="0" indent="0" algn="l" defTabSz="914400" rtl="0" fontAlgn="auto" latinLnBrk="1" hangingPunct="0">
